--- a/Publications/Presentation-2014-09-REDCapCon/LiterateProgrammingPatternsAndPracticesWithREDCap.pptx
+++ b/Publications/Presentation-2014-09-REDCapCon/LiterateProgrammingPatternsAndPracticesWithREDCap.pptx
@@ -5847,7 +5847,7 @@
           <a:p>
             <a:fld id="{02FEACE0-AA4E-40DC-B530-80B2AA242B25}" type="datetimeFigureOut">
               <a:rPr lang="en-US" smtClean="0"/>
-              <a:t>9/26/2014</a:t>
+              <a:t>3/3/2015</a:t>
             </a:fld>
             <a:endParaRPr lang="en-US"/>
           </a:p>
@@ -7021,7 +7021,27 @@
             </a:r>
             <a:r>
               <a:rPr lang="en-US" baseline="0" dirty="0" smtClean="0"/>
-              <a:t> code is pretty simple.  I just points to the function’s definition, and then run the function.  This small degree of duplication is easy to maintain across different files.</a:t>
+              <a:t> code is pretty simple.  </a:t>
+            </a:r>
+            <a:r>
+              <a:rPr lang="en-US" baseline="0" dirty="0" smtClean="0"/>
+              <a:t>It </a:t>
+            </a:r>
+            <a:r>
+              <a:rPr lang="en-US" baseline="0" dirty="0" smtClean="0"/>
+              <a:t>just points to the function’s definition, and then </a:t>
+            </a:r>
+            <a:r>
+              <a:rPr lang="en-US" baseline="0" dirty="0" err="1" smtClean="0"/>
+              <a:t>runss</a:t>
+            </a:r>
+            <a:r>
+              <a:rPr lang="en-US" baseline="0" dirty="0" smtClean="0"/>
+              <a:t> </a:t>
+            </a:r>
+            <a:r>
+              <a:rPr lang="en-US" baseline="0" dirty="0" smtClean="0"/>
+              <a:t>the function.  This small degree of duplication is easy to maintain across different files.</a:t>
             </a:r>
             <a:endParaRPr lang="en-US" dirty="0"/>
           </a:p>
@@ -7960,15 +7980,7 @@
             </a:pPr>
             <a:r>
               <a:rPr lang="en-US" dirty="0" smtClean="0"/>
-              <a:t>I like thinking about where a software solution falls on the spectrum of complexity.  For instance, (a) a manual export is super-simple and appropriate for isolated needs, (b) something like CHOP’s </a:t>
-            </a:r>
-            <a:r>
-              <a:rPr lang="en-US" dirty="0" err="1" smtClean="0"/>
-              <a:t>Django</a:t>
-            </a:r>
-            <a:r>
-              <a:rPr lang="en-US" dirty="0" smtClean="0"/>
-              <a:t> approach is potentially much heavier and more stable, and appropriate connecting REDCap to something heavy, such as an EMR.  While (c) most API/DET solutions fall in between those two boundaries.  We have 8 or 10 new REDCap projects a year that don’t have the time/money to justify a full ORM, but want to be informed by the new data being entered.</a:t>
+              <a:t>I like thinking about where a software solution falls on the spectrum of complexity.  For instance, (a) a manual export is super-simple and appropriate for isolated needs, (b) something like CHOP’s Django approach is potentially much heavier and more stable, and appropriate connecting REDCap to something heavy, such as an EMR.  While (c) most API/DET solutions fall in between those two boundaries.  We have 8 or 10 new REDCap projects a year that don’t have the time/money to justify a full ORM, but want to be informed by the new data being entered.</a:t>
             </a:r>
           </a:p>
           <a:p>
@@ -9409,7 +9421,15 @@
             </a:r>
             <a:r>
               <a:rPr lang="en-US" baseline="0" dirty="0" smtClean="0"/>
-              <a:t>solutions used in our work, (b) solutions used by other developer’s in non-REDCap work, and (c) solutions from you guys in the last 5+ years.</a:t>
+              <a:t>solutions used in our work, (b) solutions used by other </a:t>
+            </a:r>
+            <a:r>
+              <a:rPr lang="en-US" baseline="0" dirty="0" smtClean="0"/>
+              <a:t>developers </a:t>
+            </a:r>
+            <a:r>
+              <a:rPr lang="en-US" baseline="0" dirty="0" smtClean="0"/>
+              <a:t>in non-REDCap work, and (c) solutions from you guys in the last 5+ years.</a:t>
             </a:r>
             <a:endParaRPr lang="en-US" dirty="0"/>
           </a:p>
@@ -9517,7 +9537,15 @@
             </a:r>
             <a:r>
               <a:rPr lang="en-US" baseline="0" dirty="0" smtClean="0"/>
-              <a:t>).   In Enterprise software terminology, this is where are ‘gateways’ and ‘table modules’ live.  Of course an arrow represent a code dependency, and not necessarily the flow of data, which can be two-way.</a:t>
+              <a:t>).   In Enterprise software terminology, this is where are ‘gateways’ and ‘table modules’ live.  Of course an arrow </a:t>
+            </a:r>
+            <a:r>
+              <a:rPr lang="en-US" baseline="0" dirty="0" smtClean="0"/>
+              <a:t>represents </a:t>
+            </a:r>
+            <a:r>
+              <a:rPr lang="en-US" baseline="0" dirty="0" smtClean="0"/>
+              <a:t>a code dependency, and not necessarily the flow of data, which can be two-way.</a:t>
             </a:r>
           </a:p>
           <a:p>
@@ -9858,7 +9886,7 @@
             <a:fld id="{1D8BD707-D9CF-40AE-B4C6-C98DA3205C09}" type="datetimeFigureOut">
               <a:rPr lang="en-US" smtClean="0"/>
               <a:pPr/>
-              <a:t>9/26/2014</a:t>
+              <a:t>3/3/2015</a:t>
             </a:fld>
             <a:endParaRPr lang="en-US"/>
           </a:p>
@@ -10025,7 +10053,7 @@
             <a:fld id="{1D8BD707-D9CF-40AE-B4C6-C98DA3205C09}" type="datetimeFigureOut">
               <a:rPr lang="en-US" smtClean="0"/>
               <a:pPr/>
-              <a:t>9/26/2014</a:t>
+              <a:t>3/3/2015</a:t>
             </a:fld>
             <a:endParaRPr lang="en-US"/>
           </a:p>
@@ -10202,7 +10230,7 @@
             <a:fld id="{1D8BD707-D9CF-40AE-B4C6-C98DA3205C09}" type="datetimeFigureOut">
               <a:rPr lang="en-US" smtClean="0"/>
               <a:pPr/>
-              <a:t>9/26/2014</a:t>
+              <a:t>3/3/2015</a:t>
             </a:fld>
             <a:endParaRPr lang="en-US"/>
           </a:p>
@@ -10369,7 +10397,7 @@
             <a:fld id="{1D8BD707-D9CF-40AE-B4C6-C98DA3205C09}" type="datetimeFigureOut">
               <a:rPr lang="en-US" smtClean="0"/>
               <a:pPr/>
-              <a:t>9/26/2014</a:t>
+              <a:t>3/3/2015</a:t>
             </a:fld>
             <a:endParaRPr lang="en-US"/>
           </a:p>
@@ -10612,7 +10640,7 @@
             <a:fld id="{1D8BD707-D9CF-40AE-B4C6-C98DA3205C09}" type="datetimeFigureOut">
               <a:rPr lang="en-US" smtClean="0"/>
               <a:pPr/>
-              <a:t>9/26/2014</a:t>
+              <a:t>3/3/2015</a:t>
             </a:fld>
             <a:endParaRPr lang="en-US"/>
           </a:p>
@@ -10897,7 +10925,7 @@
             <a:fld id="{1D8BD707-D9CF-40AE-B4C6-C98DA3205C09}" type="datetimeFigureOut">
               <a:rPr lang="en-US" smtClean="0"/>
               <a:pPr/>
-              <a:t>9/26/2014</a:t>
+              <a:t>3/3/2015</a:t>
             </a:fld>
             <a:endParaRPr lang="en-US"/>
           </a:p>
@@ -11316,7 +11344,7 @@
             <a:fld id="{1D8BD707-D9CF-40AE-B4C6-C98DA3205C09}" type="datetimeFigureOut">
               <a:rPr lang="en-US" smtClean="0"/>
               <a:pPr/>
-              <a:t>9/26/2014</a:t>
+              <a:t>3/3/2015</a:t>
             </a:fld>
             <a:endParaRPr lang="en-US"/>
           </a:p>
@@ -11431,7 +11459,7 @@
             <a:fld id="{1D8BD707-D9CF-40AE-B4C6-C98DA3205C09}" type="datetimeFigureOut">
               <a:rPr lang="en-US" smtClean="0"/>
               <a:pPr/>
-              <a:t>9/26/2014</a:t>
+              <a:t>3/3/2015</a:t>
             </a:fld>
             <a:endParaRPr lang="en-US"/>
           </a:p>
@@ -11523,7 +11551,7 @@
             <a:fld id="{1D8BD707-D9CF-40AE-B4C6-C98DA3205C09}" type="datetimeFigureOut">
               <a:rPr lang="en-US" smtClean="0"/>
               <a:pPr/>
-              <a:t>9/26/2014</a:t>
+              <a:t>3/3/2015</a:t>
             </a:fld>
             <a:endParaRPr lang="en-US"/>
           </a:p>
@@ -11797,7 +11825,7 @@
             <a:fld id="{1D8BD707-D9CF-40AE-B4C6-C98DA3205C09}" type="datetimeFigureOut">
               <a:rPr lang="en-US" smtClean="0"/>
               <a:pPr/>
-              <a:t>9/26/2014</a:t>
+              <a:t>3/3/2015</a:t>
             </a:fld>
             <a:endParaRPr lang="en-US"/>
           </a:p>
@@ -12047,7 +12075,7 @@
             <a:fld id="{1D8BD707-D9CF-40AE-B4C6-C98DA3205C09}" type="datetimeFigureOut">
               <a:rPr lang="en-US" smtClean="0"/>
               <a:pPr/>
-              <a:t>9/26/2014</a:t>
+              <a:t>3/3/2015</a:t>
             </a:fld>
             <a:endParaRPr lang="en-US"/>
           </a:p>
@@ -12257,7 +12285,7 @@
             <a:fld id="{1D8BD707-D9CF-40AE-B4C6-C98DA3205C09}" type="datetimeFigureOut">
               <a:rPr lang="en-US" smtClean="0"/>
               <a:pPr/>
-              <a:t>9/26/2014</a:t>
+              <a:t>3/3/2015</a:t>
             </a:fld>
             <a:endParaRPr lang="en-US"/>
           </a:p>
@@ -23597,7 +23625,7 @@
           <a:p>
             <a:pPr algn="ctr"/>
             <a:r>
-              <a:rPr lang="en-US" sz="2000" smtClean="0">
+              <a:rPr lang="en-US" sz="2000" dirty="0" smtClean="0">
                 <a:solidFill>
                   <a:schemeClr val="accent1">
                     <a:lumMod val="50000"/>
@@ -23610,7 +23638,7 @@
           <a:p>
             <a:pPr algn="ctr"/>
             <a:r>
-              <a:rPr lang="en-US" sz="2000" smtClean="0">
+              <a:rPr lang="en-US" sz="2000" dirty="0" smtClean="0">
                 <a:solidFill>
                   <a:schemeClr val="accent1">
                     <a:lumMod val="50000"/>
@@ -23623,7 +23651,7 @@
           <a:p>
             <a:pPr algn="ctr"/>
             <a:r>
-              <a:rPr lang="en-US" sz="2000" smtClean="0">
+              <a:rPr lang="en-US" sz="2000" dirty="0" smtClean="0">
                 <a:solidFill>
                   <a:schemeClr val="accent1">
                     <a:lumMod val="50000"/>
@@ -27134,21 +27162,12 @@
             </a:pPr>
             <a:r>
               <a:rPr lang="en-US" dirty="0" smtClean="0"/>
-              <a:t>David </a:t>
-            </a:r>
-            <a:r>
-              <a:rPr lang="en-US" dirty="0" smtClean="0"/>
-              <a:t>Horton; </a:t>
+              <a:t>David Horton; </a:t>
             </a:r>
             <a:r>
               <a:rPr lang="en-US" dirty="0"/>
-              <a:t>Becki </a:t>
-            </a:r>
-            <a:r>
-              <a:rPr lang="en-US" dirty="0"/>
-              <a:t>Trepagnier</a:t>
-            </a:r>
-            <a:endParaRPr lang="en-US" dirty="0"/>
+              <a:t>Becki Trepagnier</a:t>
+            </a:r>
           </a:p>
           <a:p>
             <a:pPr lvl="1"/>
@@ -27170,28 +27189,40 @@
                   </a:schemeClr>
                 </a:solidFill>
               </a:rPr>
-              <a:t> </a:t>
-            </a:r>
-            <a:r>
-              <a:rPr lang="en-US" dirty="0" smtClean="0">
+              <a:t> VP, Shared Services; </a:t>
+            </a:r>
+            <a:r>
+              <a:rPr lang="en-US" dirty="0" err="1" smtClean="0">
                 <a:solidFill>
                   <a:schemeClr val="bg1">
                     <a:lumMod val="50000"/>
                   </a:schemeClr>
                 </a:solidFill>
               </a:rPr>
-              <a:t>VP, Shared Services; </a:t>
-            </a:r>
-            <a:r>
-              <a:rPr lang="en-US" dirty="0" err="1" smtClean="0">
+              <a:t>Assoc</a:t>
+            </a:r>
+            <a:r>
+              <a:rPr lang="en-US" dirty="0" smtClean="0">
                 <a:solidFill>
                   <a:schemeClr val="bg1">
                     <a:lumMod val="50000"/>
                   </a:schemeClr>
                 </a:solidFill>
               </a:rPr>
-              <a:t>Assoc</a:t>
-            </a:r>
+              <a:t> VP, IT</a:t>
+            </a:r>
+          </a:p>
+          <a:p>
+            <a:pPr marL="0" indent="0">
+              <a:buNone/>
+            </a:pPr>
+            <a:r>
+              <a:rPr lang="en-US" dirty="0" smtClean="0"/>
+              <a:t>Robert Roswell; Darrin Akins</a:t>
+            </a:r>
+          </a:p>
+          <a:p>
+            <a:pPr lvl="1"/>
             <a:r>
               <a:rPr lang="en-US" dirty="0" smtClean="0">
                 <a:solidFill>
@@ -27200,94 +27231,48 @@
                   </a:schemeClr>
                 </a:solidFill>
               </a:rPr>
-              <a:t> VP, IT</a:t>
-            </a:r>
-            <a:endParaRPr lang="en-US" dirty="0" smtClean="0">
-              <a:solidFill>
-                <a:schemeClr val="bg1">
-                  <a:lumMod val="50000"/>
-                </a:schemeClr>
-              </a:solidFill>
-            </a:endParaRPr>
-          </a:p>
-          <a:p>
-            <a:pPr marL="0" indent="0">
-              <a:buNone/>
-            </a:pPr>
-            <a:r>
-              <a:rPr lang="en-US" dirty="0" smtClean="0"/>
-              <a:t>Robert Roswell; Darrin Akins</a:t>
-            </a:r>
-          </a:p>
-          <a:p>
-            <a:pPr lvl="1"/>
-            <a:r>
-              <a:rPr lang="en-US" dirty="0" smtClean="0">
+              <a:t>Sr. </a:t>
+            </a:r>
+            <a:r>
+              <a:rPr lang="en-US" dirty="0" err="1" smtClean="0">
                 <a:solidFill>
                   <a:schemeClr val="bg1">
                     <a:lumMod val="50000"/>
                   </a:schemeClr>
                 </a:solidFill>
               </a:rPr>
-              <a:t>Sr. </a:t>
-            </a:r>
-            <a:r>
-              <a:rPr lang="en-US" dirty="0" err="1" smtClean="0">
+              <a:t>Assoc</a:t>
+            </a:r>
+            <a:r>
+              <a:rPr lang="en-US" dirty="0" smtClean="0">
                 <a:solidFill>
                   <a:schemeClr val="bg1">
                     <a:lumMod val="50000"/>
                   </a:schemeClr>
                 </a:solidFill>
               </a:rPr>
-              <a:t>Assoc</a:t>
-            </a:r>
-            <a:r>
-              <a:rPr lang="en-US" dirty="0" smtClean="0">
+              <a:t> Dean, College of Medicine; </a:t>
+            </a:r>
+            <a:r>
+              <a:rPr lang="en-US" dirty="0" err="1" smtClean="0">
                 <a:solidFill>
                   <a:schemeClr val="bg1">
                     <a:lumMod val="50000"/>
                   </a:schemeClr>
                 </a:solidFill>
               </a:rPr>
-              <a:t> Dean, College of Medicine; </a:t>
-            </a:r>
-            <a:r>
-              <a:rPr lang="en-US" dirty="0" err="1" smtClean="0">
+              <a:t>Assoc</a:t>
+            </a:r>
+            <a:r>
+              <a:rPr lang="en-US" dirty="0" smtClean="0">
                 <a:solidFill>
                   <a:schemeClr val="bg1">
                     <a:lumMod val="50000"/>
                   </a:schemeClr>
                 </a:solidFill>
               </a:rPr>
-              <a:t>Assoc</a:t>
-            </a:r>
-            <a:r>
-              <a:rPr lang="en-US" dirty="0" smtClean="0">
-                <a:solidFill>
-                  <a:schemeClr val="bg1">
-                    <a:lumMod val="50000"/>
-                  </a:schemeClr>
-                </a:solidFill>
-              </a:rPr>
-              <a:t> </a:t>
-            </a:r>
-            <a:r>
-              <a:rPr lang="en-US" dirty="0" smtClean="0">
-                <a:solidFill>
-                  <a:schemeClr val="bg1">
-                    <a:lumMod val="50000"/>
-                  </a:schemeClr>
-                </a:solidFill>
-              </a:rPr>
-              <a:t>Dean, Research</a:t>
-            </a:r>
-            <a:endParaRPr lang="en-US" dirty="0" smtClean="0">
-              <a:solidFill>
-                <a:schemeClr val="bg1">
-                  <a:lumMod val="50000"/>
-                </a:schemeClr>
-              </a:solidFill>
-            </a:endParaRPr>
+              <a:t> Dean, Research</a:t>
+            </a:r>
           </a:p>
         </p:txBody>
       </p:sp>
@@ -29691,16 +29676,10 @@
               <a:t> with </a:t>
             </a:r>
             <a:r>
-              <a:rPr lang="en-US" sz="2800" dirty="0" err="1">
-                <a:hlinkClick r:id="rId5"/>
-              </a:rPr>
-              <a:t>django</a:t>
-            </a:r>
-            <a:r>
               <a:rPr lang="en-US" sz="2800" dirty="0">
                 <a:hlinkClick r:id="rId5"/>
               </a:rPr>
-              <a:t>-redcap</a:t>
+              <a:t>django-redcap</a:t>
             </a:r>
             <a:endParaRPr lang="en-US" sz="2800" dirty="0"/>
           </a:p>
@@ -29800,11 +29779,7 @@
             </a:r>
             <a:r>
               <a:rPr lang="en-US" sz="2000" dirty="0"/>
-              <a:t>- Chris </a:t>
-            </a:r>
-            <a:r>
-              <a:rPr lang="en-US" sz="2000" dirty="0" err="1"/>
-              <a:t>Nefcy</a:t>
+              <a:t>- Chris Nefcy</a:t>
             </a:r>
             <a:endParaRPr lang="en-US" sz="2000" dirty="0" smtClean="0"/>
           </a:p>
